--- a/pptx/第9章 因子分析.pptx
+++ b/pptx/第9章 因子分析.pptx
@@ -15446,8 +15446,8 @@
         </p:nvSpPr>
         <p:spPr>
           <a:xfrm>
-            <a:off x="2676842" y="2980035"/>
-            <a:ext cx="6824345" cy="808990"/>
+            <a:off x="2242185" y="2980055"/>
+            <a:ext cx="7769860" cy="768350"/>
           </a:xfrm>
           <a:prstGeom prst="rect">
             <a:avLst/>
@@ -15621,7 +15621,40 @@
                 <a:ea typeface="微软雅黑" panose="020B0503020204020204" pitchFamily="2" charset="-122"/>
                 <a:sym typeface="微软雅黑" panose="020B0503020204020204" pitchFamily="2" charset="-122"/>
               </a:rPr>
-              <a:t>建模 </a:t>
+              <a:t>建模（</a:t>
+            </a:r>
+            <a:r>
+              <a:rPr lang="en-US" altLang="zh-CN" sz="4400" b="1" dirty="0">
+                <a:solidFill>
+                  <a:srgbClr val="1115C3"/>
+                </a:solidFill>
+                <a:latin typeface="微软雅黑" panose="020B0503020204020204" pitchFamily="2" charset="-122"/>
+                <a:ea typeface="微软雅黑" panose="020B0503020204020204" pitchFamily="2" charset="-122"/>
+                <a:sym typeface="微软雅黑" panose="020B0503020204020204" pitchFamily="2" charset="-122"/>
+              </a:rPr>
+              <a:t>5</a:t>
+            </a:r>
+            <a:r>
+              <a:rPr lang="zh-CN" altLang="en-US" sz="4400" b="1" dirty="0">
+                <a:solidFill>
+                  <a:srgbClr val="1115C3"/>
+                </a:solidFill>
+                <a:latin typeface="微软雅黑" panose="020B0503020204020204" pitchFamily="2" charset="-122"/>
+                <a:ea typeface="微软雅黑" panose="020B0503020204020204" pitchFamily="2" charset="-122"/>
+                <a:sym typeface="微软雅黑" panose="020B0503020204020204" pitchFamily="2" charset="-122"/>
+              </a:rPr>
+              <a:t>）</a:t>
+            </a:r>
+            <a:r>
+              <a:rPr lang="zh-CN" altLang="en-US" sz="4400" b="1" dirty="0">
+                <a:solidFill>
+                  <a:srgbClr val="1115C3"/>
+                </a:solidFill>
+                <a:latin typeface="微软雅黑" panose="020B0503020204020204" pitchFamily="2" charset="-122"/>
+                <a:ea typeface="微软雅黑" panose="020B0503020204020204" pitchFamily="2" charset="-122"/>
+                <a:sym typeface="微软雅黑" panose="020B0503020204020204" pitchFamily="2" charset="-122"/>
+              </a:rPr>
+              <a:t> </a:t>
             </a:r>
             <a:endParaRPr lang="zh-CN" altLang="en-US" sz="4400" b="1" dirty="0">
               <a:solidFill>
@@ -16462,7 +16495,7 @@
         </p:nvSpPr>
         <p:spPr>
           <a:xfrm>
-            <a:off x="72708" y="1098740"/>
+            <a:off x="72708" y="1089215"/>
             <a:ext cx="8943474" cy="523220"/>
           </a:xfrm>
           <a:prstGeom prst="rect">
@@ -16531,8 +16564,8 @@
         </p:blipFill>
         <p:spPr>
           <a:xfrm>
-            <a:off x="337854" y="2091954"/>
-            <a:ext cx="5757654" cy="1530237"/>
+            <a:off x="351155" y="2482215"/>
+            <a:ext cx="5450840" cy="1449070"/>
           </a:xfrm>
           <a:prstGeom prst="rect">
             <a:avLst/>
@@ -16555,8 +16588,8 @@
         </p:blipFill>
         <p:spPr>
           <a:xfrm>
-            <a:off x="6216889" y="1682748"/>
-            <a:ext cx="5914032" cy="4050412"/>
+            <a:off x="6216650" y="2037715"/>
+            <a:ext cx="5913755" cy="3695700"/>
           </a:xfrm>
           <a:prstGeom prst="rect">
             <a:avLst/>
@@ -16611,6 +16644,185 @@
           </a:prstGeom>
         </p:spPr>
       </p:pic>
+      <p:sp>
+        <p:nvSpPr>
+          <p:cNvPr id="5" name="文本框 4"/>
+          <p:cNvSpPr txBox="1"/>
+          <p:nvPr/>
+        </p:nvSpPr>
+        <p:spPr>
+          <a:xfrm>
+            <a:off x="268605" y="1601470"/>
+            <a:ext cx="11849100" cy="460375"/>
+          </a:xfrm>
+          <a:prstGeom prst="rect">
+            <a:avLst/>
+          </a:prstGeom>
+          <a:noFill/>
+        </p:spPr>
+        <p:txBody>
+          <a:bodyPr wrap="square" rtlCol="0" anchor="t">
+            <a:spAutoFit/>
+          </a:bodyPr>
+          <a:p>
+            <a:r>
+              <a:rPr lang="en-US" altLang="zh-CN" sz="2400" b="1">
+                <a:solidFill>
+                  <a:srgbClr val="FF0000"/>
+                </a:solidFill>
+              </a:rPr>
+              <a:t>X9</a:t>
+            </a:r>
+            <a:r>
+              <a:rPr lang="zh-CN" altLang="en-US" sz="2400" b="1">
+                <a:solidFill>
+                  <a:srgbClr val="FF0000"/>
+                </a:solidFill>
+              </a:rPr>
+              <a:t>.</a:t>
+            </a:r>
+            <a:r>
+              <a:rPr lang="en-US" altLang="zh-CN" sz="2400" b="1">
+                <a:solidFill>
+                  <a:srgbClr val="FF0000"/>
+                </a:solidFill>
+              </a:rPr>
+              <a:t>1</a:t>
+            </a:r>
+            <a:r>
+              <a:rPr lang="zh-CN" altLang="en-US" sz="2400" b="1">
+                <a:solidFill>
+                  <a:srgbClr val="FF0000"/>
+                </a:solidFill>
+              </a:rPr>
+              <a:t>=read.xlsx('mvstats5.xlsx','d3.1',rowNames=TRUE); </a:t>
+            </a:r>
+            <a:r>
+              <a:rPr lang="en-US" altLang="zh-CN" sz="2400" b="1">
+                <a:solidFill>
+                  <a:srgbClr val="FF0000"/>
+                </a:solidFill>
+              </a:rPr>
+              <a:t>X9</a:t>
+            </a:r>
+            <a:r>
+              <a:rPr lang="zh-CN" altLang="en-US" sz="2400" b="1">
+                <a:solidFill>
+                  <a:srgbClr val="FF0000"/>
+                </a:solidFill>
+              </a:rPr>
+              <a:t>.</a:t>
+            </a:r>
+            <a:r>
+              <a:rPr lang="en-US" altLang="zh-CN" sz="2400" b="1">
+                <a:solidFill>
+                  <a:srgbClr val="FF0000"/>
+                </a:solidFill>
+              </a:rPr>
+              <a:t>1</a:t>
+            </a:r>
+            <a:r>
+              <a:rPr lang="zh-CN" altLang="en-US" sz="2400" b="1">
+                <a:solidFill>
+                  <a:srgbClr val="FF0000"/>
+                </a:solidFill>
+              </a:rPr>
+              <a:t> # </a:t>
+            </a:r>
+            <a:r>
+              <a:rPr lang="en-US" altLang="zh-CN" sz="2400" b="1">
+                <a:solidFill>
+                  <a:srgbClr val="FF0000"/>
+                </a:solidFill>
+              </a:rPr>
+              <a:t>library(openxlsx)</a:t>
+            </a:r>
+            <a:endParaRPr lang="en-US" altLang="zh-CN" sz="2400" b="1">
+              <a:solidFill>
+                <a:srgbClr val="FF0000"/>
+              </a:solidFill>
+            </a:endParaRPr>
+          </a:p>
+        </p:txBody>
+      </p:sp>
+      <p:sp>
+        <p:nvSpPr>
+          <p:cNvPr id="14" name="流程图: 过程 13"/>
+          <p:cNvSpPr/>
+          <p:nvPr/>
+        </p:nvSpPr>
+        <p:spPr>
+          <a:xfrm>
+            <a:off x="551180" y="2665730"/>
+            <a:ext cx="4968240" cy="75565"/>
+          </a:xfrm>
+          <a:prstGeom prst="flowChartProcess">
+            <a:avLst/>
+          </a:prstGeom>
+        </p:spPr>
+        <p:style>
+          <a:lnRef idx="2">
+            <a:schemeClr val="accent1">
+              <a:shade val="50000"/>
+            </a:schemeClr>
+          </a:lnRef>
+          <a:fillRef idx="1">
+            <a:schemeClr val="accent1"/>
+          </a:fillRef>
+          <a:effectRef idx="0">
+            <a:schemeClr val="accent1"/>
+          </a:effectRef>
+          <a:fontRef idx="minor">
+            <a:schemeClr val="lt1"/>
+          </a:fontRef>
+        </p:style>
+        <p:txBody>
+          <a:bodyPr rtlCol="0" anchor="ctr"/>
+          <a:p>
+            <a:pPr algn="ctr"/>
+            <a:endParaRPr lang="zh-CN" altLang="en-US"/>
+          </a:p>
+        </p:txBody>
+      </p:sp>
+      <p:sp>
+        <p:nvSpPr>
+          <p:cNvPr id="11" name="流程图: 过程 10"/>
+          <p:cNvSpPr/>
+          <p:nvPr/>
+        </p:nvSpPr>
+        <p:spPr>
+          <a:xfrm>
+            <a:off x="492760" y="3168650"/>
+            <a:ext cx="4968240" cy="75565"/>
+          </a:xfrm>
+          <a:prstGeom prst="flowChartProcess">
+            <a:avLst/>
+          </a:prstGeom>
+        </p:spPr>
+        <p:style>
+          <a:lnRef idx="2">
+            <a:schemeClr val="accent1">
+              <a:shade val="50000"/>
+            </a:schemeClr>
+          </a:lnRef>
+          <a:fillRef idx="1">
+            <a:schemeClr val="accent1"/>
+          </a:fillRef>
+          <a:effectRef idx="0">
+            <a:schemeClr val="accent1"/>
+          </a:effectRef>
+          <a:fontRef idx="minor">
+            <a:schemeClr val="lt1"/>
+          </a:fontRef>
+        </p:style>
+        <p:txBody>
+          <a:bodyPr rtlCol="0" anchor="ctr"/>
+          <a:p>
+            <a:pPr algn="ctr"/>
+            <a:endParaRPr lang="zh-CN" altLang="en-US"/>
+          </a:p>
+        </p:txBody>
+      </p:sp>
     </p:spTree>
   </p:cSld>
   <p:clrMapOvr>
